--- a/7. Group Project/W4D4_Project/Watch Me Whip.pptx
+++ b/7. Group Project/W4D4_Project/Watch Me Whip.pptx
@@ -200,6 +200,7 @@
           <a:p>
             <a:fld id="{C56D8F02-181E-499F-B967-596FDAA3369C}" type="datetimeFigureOut">
               <a:rPr lang="en-US" smtClean="0"/>
+              <a:pPr/>
               <a:t>7/11/2016</a:t>
             </a:fld>
             <a:endParaRPr lang="en-US"/>
@@ -361,6 +362,7 @@
           <a:p>
             <a:fld id="{CD7CF697-8831-4177-AE5E-93A02204832B}" type="slidenum">
               <a:rPr lang="en-US" smtClean="0"/>
+              <a:pPr/>
               <a:t>‹#›</a:t>
             </a:fld>
             <a:endParaRPr lang="en-US"/>
@@ -532,6 +534,7 @@
           <a:p>
             <a:fld id="{CD7CF697-8831-4177-AE5E-93A02204832B}" type="slidenum">
               <a:rPr lang="en-US" smtClean="0"/>
+              <a:pPr/>
               <a:t>4</a:t>
             </a:fld>
             <a:endParaRPr lang="en-US"/>
@@ -4680,11 +4683,7 @@
           <a:p>
             <a:r>
               <a:rPr lang="en-US" dirty="0" smtClean="0"/>
-              <a:t>Watch Me Whip is an online watch shop that allows users to view/buy luxury, dres</a:t>
-            </a:r>
-            <a:r>
-              <a:rPr lang="en-US" dirty="0" smtClean="0"/>
-              <a:t>s, casual, digital watches</a:t>
+              <a:t>Watch Me Whip is an online watch shop that allows users to view/buy luxury, dress, casual, digital watches</a:t>
             </a:r>
             <a:endParaRPr lang="en-US" dirty="0"/>
           </a:p>
@@ -5553,11 +5552,7 @@
             </a:r>
             <a:r>
               <a:rPr lang="en-US" dirty="0" smtClean="0"/>
-              <a:t>, Java Bean, JDBC and Oracle</a:t>
-            </a:r>
-            <a:r>
-              <a:rPr lang="en-US" dirty="0" smtClean="0"/>
-              <a:t>. (Additionally used Ajax and Angular JS)</a:t>
+              <a:t>, Java Bean, JDBC and Oracle. (Additionally used Ajax and Angular JS)</a:t>
             </a:r>
           </a:p>
           <a:p>
@@ -5570,23 +5565,7 @@
           <a:p>
             <a:r>
               <a:rPr lang="en-US" dirty="0" smtClean="0"/>
-              <a:t>Filter </a:t>
-            </a:r>
-            <a:r>
-              <a:rPr lang="en-US" dirty="0" smtClean="0"/>
-              <a:t>to prevent the black user lists (“</a:t>
-            </a:r>
-            <a:r>
-              <a:rPr lang="en-US" dirty="0" smtClean="0"/>
-              <a:t>John”, </a:t>
-            </a:r>
-            <a:r>
-              <a:rPr lang="en-US" dirty="0" smtClean="0"/>
-              <a:t>“Scott”) to log </a:t>
-            </a:r>
-            <a:r>
-              <a:rPr lang="en-US" dirty="0" smtClean="0"/>
-              <a:t>in</a:t>
+              <a:t>Filter to prevent the black user lists (“John”, “Scott”) to log in</a:t>
             </a:r>
           </a:p>
           <a:p>
@@ -5675,7 +5654,7 @@
         </p:spPr>
         <p:txBody>
           <a:bodyPr>
-            <a:normAutofit lnSpcReduction="10000"/>
+            <a:normAutofit fontScale="92500" lnSpcReduction="10000"/>
           </a:bodyPr>
           <a:lstStyle/>
           <a:p>
@@ -5695,13 +5674,8 @@
           <a:p>
             <a:r>
               <a:rPr lang="en-US" dirty="0" smtClean="0"/>
-              <a:t>Need User Login First before </a:t>
-            </a:r>
-            <a:r>
-              <a:rPr lang="en-US" dirty="0" smtClean="0"/>
-              <a:t>shopping</a:t>
-            </a:r>
-            <a:endParaRPr lang="en-US" dirty="0" smtClean="0"/>
+              <a:t>Need User Login First before shopping</a:t>
+            </a:r>
           </a:p>
           <a:p>
             <a:pPr lvl="0"/>
@@ -5765,11 +5739,22 @@
             <a:pPr lvl="0"/>
             <a:r>
               <a:rPr lang="en-US" dirty="0" smtClean="0"/>
+              <a:t>No Order </a:t>
+            </a:r>
+            <a:r>
+              <a:rPr lang="en-US" dirty="0" smtClean="0"/>
+              <a:t>History</a:t>
+            </a:r>
+          </a:p>
+          <a:p>
+            <a:pPr lvl="0"/>
+            <a:r>
+              <a:rPr lang="en-US" dirty="0" smtClean="0"/>
               <a:t>No </a:t>
             </a:r>
             <a:r>
               <a:rPr lang="en-US" smtClean="0"/>
-              <a:t>Order History</a:t>
+              <a:t>Admin Functions</a:t>
             </a:r>
             <a:endParaRPr lang="en-US" dirty="0" smtClean="0"/>
           </a:p>
